--- a/Unity/Lesson3/PeremennieOperation.pptx
+++ b/Unity/Lesson3/PeremennieOperation.pptx
@@ -5,10 +5,10 @@
     <p:sldMasterId id="2147483673" r:id="rId1"/>
   </p:sldMasterIdLst>
   <p:notesMasterIdLst>
-    <p:notesMasterId r:id="rId32"/>
+    <p:notesMasterId r:id="rId33"/>
   </p:notesMasterIdLst>
   <p:handoutMasterIdLst>
-    <p:handoutMasterId r:id="rId33"/>
+    <p:handoutMasterId r:id="rId34"/>
   </p:handoutMasterIdLst>
   <p:sldIdLst>
     <p:sldId id="257" r:id="rId2"/>
@@ -41,6 +41,7 @@
     <p:sldId id="303" r:id="rId29"/>
     <p:sldId id="308" r:id="rId30"/>
     <p:sldId id="310" r:id="rId31"/>
+    <p:sldId id="311" r:id="rId32"/>
   </p:sldIdLst>
   <p:sldSz cx="12192000" cy="6858000"/>
   <p:notesSz cx="6858000" cy="9144000"/>
@@ -6372,7 +6373,7 @@
             <a:pPr rtl="0"/>
             <a:fld id="{6B5C320A-F5C8-4FD6-86FF-35D2EBF085B6}" type="datetime1">
               <a:rPr lang="ru-RU" smtClean="0"/>
-              <a:t>23.09.2020</a:t>
+              <a:t>24.09.2020</a:t>
             </a:fld>
             <a:endParaRPr lang="en-US" dirty="0"/>
           </a:p>
@@ -6542,7 +6543,7 @@
             <a:pPr rtl="0"/>
             <a:fld id="{15C702C7-E599-40D9-B30E-0392896973B5}" type="datetime1">
               <a:rPr lang="ru-RU" smtClean="0"/>
-              <a:t>23.09.2020</a:t>
+              <a:t>24.09.2020</a:t>
             </a:fld>
             <a:endParaRPr lang="en-US"/>
           </a:p>
@@ -9156,7 +9157,7 @@
             <a:pPr rtl="0"/>
             <a:fld id="{6506E9A3-1561-45B7-908B-DACC52528ABB}" type="datetime1">
               <a:rPr lang="ru-RU" smtClean="0"/>
-              <a:t>23.09.2020</a:t>
+              <a:t>24.09.2020</a:t>
             </a:fld>
             <a:endParaRPr lang="en-US" dirty="0"/>
           </a:p>
@@ -9362,7 +9363,7 @@
             <a:pPr rtl="0"/>
             <a:fld id="{3E92B999-6CB2-48D4-8AF6-3D1A5D13436B}" type="datetime1">
               <a:rPr lang="ru-RU" smtClean="0"/>
-              <a:t>23.09.2020</a:t>
+              <a:t>24.09.2020</a:t>
             </a:fld>
             <a:endParaRPr lang="en-US"/>
           </a:p>
@@ -9546,7 +9547,7 @@
             <a:pPr rtl="0"/>
             <a:fld id="{B52C98DB-1092-48C4-AD4E-BD3E9D2E2345}" type="datetime1">
               <a:rPr lang="ru-RU" smtClean="0"/>
-              <a:t>23.09.2020</a:t>
+              <a:t>24.09.2020</a:t>
             </a:fld>
             <a:endParaRPr lang="en-US"/>
           </a:p>
@@ -9996,7 +9997,7 @@
             <a:pPr rtl="0"/>
             <a:fld id="{629C2F20-7994-4D1E-A01C-96ECBA4612EB}" type="datetime1">
               <a:rPr lang="ru-RU" smtClean="0"/>
-              <a:t>23.09.2020</a:t>
+              <a:t>24.09.2020</a:t>
             </a:fld>
             <a:endParaRPr lang="en-US"/>
           </a:p>
@@ -10599,7 +10600,7 @@
             <a:pPr rtl="0"/>
             <a:fld id="{7B2CE4EA-3B49-4A00-ADF3-7C7272A626C1}" type="datetime1">
               <a:rPr lang="ru-RU" smtClean="0"/>
-              <a:t>23.09.2020</a:t>
+              <a:t>24.09.2020</a:t>
             </a:fld>
             <a:endParaRPr lang="en-US" dirty="0"/>
           </a:p>
@@ -10923,7 +10924,7 @@
             <a:pPr rtl="0"/>
             <a:fld id="{9A16848F-27AD-43B9-904C-1CF05D24EB3C}" type="datetime1">
               <a:rPr lang="ru-RU" smtClean="0"/>
-              <a:t>23.09.2020</a:t>
+              <a:t>24.09.2020</a:t>
             </a:fld>
             <a:endParaRPr lang="en-US"/>
           </a:p>
@@ -11364,7 +11365,7 @@
             <a:pPr rtl="0"/>
             <a:fld id="{23090412-2DE5-405A-816E-F08FB54EB168}" type="datetime1">
               <a:rPr lang="ru-RU" smtClean="0"/>
-              <a:t>23.09.2020</a:t>
+              <a:t>24.09.2020</a:t>
             </a:fld>
             <a:endParaRPr lang="en-US"/>
           </a:p>
@@ -11486,7 +11487,7 @@
             <a:pPr rtl="0"/>
             <a:fld id="{F4C2D7CB-4DC1-4BB7-BF00-4C36160857E0}" type="datetime1">
               <a:rPr lang="ru-RU" smtClean="0"/>
-              <a:t>23.09.2020</a:t>
+              <a:t>24.09.2020</a:t>
             </a:fld>
             <a:endParaRPr lang="en-US"/>
           </a:p>
@@ -11584,7 +11585,7 @@
             <a:pPr rtl="0"/>
             <a:fld id="{4060D38F-E364-4ED4-9BF4-D7F00FFBE76A}" type="datetime1">
               <a:rPr lang="ru-RU" smtClean="0"/>
-              <a:t>23.09.2020</a:t>
+              <a:t>24.09.2020</a:t>
             </a:fld>
             <a:endParaRPr lang="en-US"/>
           </a:p>
@@ -12005,7 +12006,7 @@
             <a:pPr rtl="0"/>
             <a:fld id="{F183FEFD-AB08-4CB5-AE4D-2F6B12D8E3B0}" type="datetime1">
               <a:rPr lang="ru-RU" smtClean="0"/>
-              <a:t>23.09.2020</a:t>
+              <a:t>24.09.2020</a:t>
             </a:fld>
             <a:endParaRPr lang="en-US"/>
           </a:p>
@@ -12270,7 +12271,7 @@
             <a:pPr rtl="0"/>
             <a:fld id="{EBEA1583-5CEF-4E36-A7FC-D34B7E954D76}" type="datetime1">
               <a:rPr lang="ru-RU" smtClean="0"/>
-              <a:t>23.09.2020</a:t>
+              <a:t>24.09.2020</a:t>
             </a:fld>
             <a:endParaRPr lang="en-US" dirty="0"/>
           </a:p>
@@ -12790,7 +12791,7 @@
             <a:pPr rtl="0"/>
             <a:fld id="{1068A786-B8BF-4988-ACBA-DD9B5BC8D522}" type="datetime1">
               <a:rPr lang="ru-RU" smtClean="0"/>
-              <a:t>23.09.2020</a:t>
+              <a:t>24.09.2020</a:t>
             </a:fld>
             <a:endParaRPr lang="en-US" dirty="0"/>
           </a:p>
@@ -16177,6 +16178,16 @@
               <a:t>- </a:t>
             </a:r>
             <a:r>
+              <a:rPr lang="en-US" sz="2800" spc="-1" dirty="0">
+                <a:solidFill>
+                  <a:srgbClr val="030303"/>
+                </a:solidFill>
+                <a:latin typeface="Calibri"/>
+                <a:ea typeface="DejaVu Sans"/>
+              </a:rPr>
+              <a:t>t</a:t>
+            </a:r>
+            <a:r>
               <a:rPr lang="ru-RU" sz="2800" spc="-1" dirty="0" err="1">
                 <a:solidFill>
                   <a:srgbClr val="030303"/>
@@ -16184,7 +16195,7 @@
                 <a:latin typeface="Calibri"/>
                 <a:ea typeface="DejaVu Sans"/>
               </a:rPr>
-              <a:t>True</a:t>
+              <a:t>rue</a:t>
             </a:r>
             <a:r>
               <a:rPr lang="ru-RU" sz="2800" spc="-1" dirty="0">
@@ -16217,6 +16228,16 @@
               <a:t>- </a:t>
             </a:r>
             <a:r>
+              <a:rPr lang="en-US" sz="2800" spc="-1" dirty="0">
+                <a:solidFill>
+                  <a:srgbClr val="030303"/>
+                </a:solidFill>
+                <a:latin typeface="Calibri"/>
+                <a:ea typeface="DejaVu Sans"/>
+              </a:rPr>
+              <a:t>f</a:t>
+            </a:r>
+            <a:r>
               <a:rPr lang="ru-RU" sz="2800" spc="-1" dirty="0" err="1">
                 <a:solidFill>
                   <a:srgbClr val="030303"/>
@@ -16224,7 +16245,7 @@
                 <a:latin typeface="Calibri"/>
                 <a:ea typeface="DejaVu Sans"/>
               </a:rPr>
-              <a:t>False</a:t>
+              <a:t>alse</a:t>
             </a:r>
             <a:r>
               <a:rPr lang="ru-RU" sz="2800" spc="-1" dirty="0">
@@ -20163,7 +20184,7 @@
         </p:style>
         <p:txBody>
           <a:bodyPr lIns="90000" tIns="45000" rIns="90000" bIns="45000" anchor="ctr">
-            <a:normAutofit fontScale="92500"/>
+            <a:normAutofit fontScale="85000" lnSpcReduction="10000"/>
           </a:bodyPr>
           <a:lstStyle/>
           <a:p>
@@ -20172,6 +20193,15 @@
                 <a:spcPct val="100000"/>
               </a:lnSpc>
             </a:pPr>
+            <a:r>
+              <a:rPr lang="ru-RU" sz="3200" b="1" cap="all" spc="-100" dirty="0" err="1">
+                <a:solidFill>
+                  <a:srgbClr val="7030A0"/>
+                </a:solidFill>
+                <a:latin typeface="Segoe Print" panose="02000600000000000000" pitchFamily="2" charset="0"/>
+              </a:rPr>
+              <a:t>неЯвное</a:t>
+            </a:r>
             <a:r>
               <a:rPr lang="ru-RU" sz="3200" b="1" cap="all" spc="-100" dirty="0">
                 <a:solidFill>
@@ -20179,17 +20209,17 @@
                 </a:solidFill>
                 <a:latin typeface="Segoe Print" panose="02000600000000000000" pitchFamily="2" charset="0"/>
               </a:rPr>
-              <a:t>Явное Преобразование типов</a:t>
+              <a:t> Преобразование типов</a:t>
             </a:r>
           </a:p>
         </p:txBody>
       </p:sp>
       <p:sp>
         <p:nvSpPr>
-          <p:cNvPr id="5" name="TextBox 4">
+          <p:cNvPr id="6" name="TextBox 5">
             <a:extLst>
               <a:ext uri="{FF2B5EF4-FFF2-40B4-BE49-F238E27FC236}">
-                <a16:creationId xmlns:a16="http://schemas.microsoft.com/office/drawing/2014/main" id="{BED6E982-AB49-4564-8E5F-286CD83C1067}"/>
+                <a16:creationId xmlns:a16="http://schemas.microsoft.com/office/drawing/2014/main" id="{BB822079-15AC-4A0B-9015-ECEC5BE3198A}"/>
               </a:ext>
             </a:extLst>
           </p:cNvPr>
@@ -20198,86 +20228,7 @@
         </p:nvSpPr>
         <p:spPr>
           <a:xfrm>
-            <a:off x="1305684" y="3926684"/>
-            <a:ext cx="6096000" cy="861583"/>
-          </a:xfrm>
-          <a:prstGeom prst="rect">
-            <a:avLst/>
-          </a:prstGeom>
-          <a:noFill/>
-        </p:spPr>
-        <p:txBody>
-          <a:bodyPr wrap="square">
-            <a:spAutoFit/>
-          </a:bodyPr>
-          <a:lstStyle/>
-          <a:p>
-            <a:pPr indent="450215" algn="just">
-              <a:lnSpc>
-                <a:spcPct val="115000"/>
-              </a:lnSpc>
-              <a:spcAft>
-                <a:spcPts val="700"/>
-              </a:spcAft>
-            </a:pPr>
-            <a:r>
-              <a:rPr lang="en-US" sz="2000" kern="100" dirty="0">
-                <a:solidFill>
-                  <a:srgbClr val="000000"/>
-                </a:solidFill>
-                <a:latin typeface="Times New Roman" panose="02020603050405020304" pitchFamily="18" charset="0"/>
-              </a:rPr>
-              <a:t>double a = 56.9898;</a:t>
-            </a:r>
-            <a:endParaRPr lang="ru-RU" sz="2000" kern="100" dirty="0">
-              <a:solidFill>
-                <a:srgbClr val="000000"/>
-              </a:solidFill>
-              <a:latin typeface="Times New Roman" panose="02020603050405020304" pitchFamily="18" charset="0"/>
-            </a:endParaRPr>
-          </a:p>
-          <a:p>
-            <a:pPr indent="450215" algn="just">
-              <a:lnSpc>
-                <a:spcPct val="115000"/>
-              </a:lnSpc>
-              <a:spcAft>
-                <a:spcPts val="700"/>
-              </a:spcAft>
-            </a:pPr>
-            <a:r>
-              <a:rPr lang="en-US" sz="2000" kern="100" dirty="0">
-                <a:solidFill>
-                  <a:srgbClr val="000000"/>
-                </a:solidFill>
-                <a:latin typeface="Times New Roman" panose="02020603050405020304" pitchFamily="18" charset="0"/>
-              </a:rPr>
-              <a:t>int b = (int)a;</a:t>
-            </a:r>
-            <a:endParaRPr lang="ru-RU" sz="2000" kern="100" dirty="0">
-              <a:solidFill>
-                <a:srgbClr val="000000"/>
-              </a:solidFill>
-              <a:latin typeface="Times New Roman" panose="02020603050405020304" pitchFamily="18" charset="0"/>
-            </a:endParaRPr>
-          </a:p>
-        </p:txBody>
-      </p:sp>
-      <p:sp>
-        <p:nvSpPr>
-          <p:cNvPr id="3" name="TextBox 2">
-            <a:extLst>
-              <a:ext uri="{FF2B5EF4-FFF2-40B4-BE49-F238E27FC236}">
-                <a16:creationId xmlns:a16="http://schemas.microsoft.com/office/drawing/2014/main" id="{1F218BDE-9DA2-4C09-81BC-3B76194803E3}"/>
-              </a:ext>
-            </a:extLst>
-          </p:cNvPr>
-          <p:cNvSpPr txBox="1"/>
-          <p:nvPr/>
-        </p:nvSpPr>
-        <p:spPr>
-          <a:xfrm>
-            <a:off x="1557868" y="2328935"/>
+            <a:off x="4814116" y="1775451"/>
             <a:ext cx="2795816" cy="771814"/>
           </a:xfrm>
           <a:prstGeom prst="rect">
@@ -20319,7 +20270,7 @@
                 </a:solidFill>
                 <a:latin typeface="Times New Roman" panose="02020603050405020304" pitchFamily="18" charset="0"/>
               </a:rPr>
-              <a:t>byte b = a + (byte)70;</a:t>
+              <a:t>byte b = a + 70;</a:t>
             </a:r>
             <a:endParaRPr lang="ru-RU" sz="2000" kern="100" dirty="0">
               <a:solidFill>
@@ -20330,10 +20281,559 @@
           </a:p>
         </p:txBody>
       </p:sp>
+      <p:sp>
+        <p:nvSpPr>
+          <p:cNvPr id="8" name="Прямоугольник 1">
+            <a:extLst>
+              <a:ext uri="{FF2B5EF4-FFF2-40B4-BE49-F238E27FC236}">
+                <a16:creationId xmlns:a16="http://schemas.microsoft.com/office/drawing/2014/main" id="{82D6BBD4-626E-48B2-A0C2-30A7A77EDCB9}"/>
+              </a:ext>
+            </a:extLst>
+          </p:cNvPr>
+          <p:cNvSpPr txBox="1">
+            <a:spLocks/>
+          </p:cNvSpPr>
+          <p:nvPr/>
+        </p:nvSpPr>
+        <p:spPr>
+          <a:xfrm>
+            <a:off x="4802893" y="3767237"/>
+            <a:ext cx="4969752" cy="1216152"/>
+          </a:xfrm>
+          <a:prstGeom prst="rect">
+            <a:avLst/>
+          </a:prstGeom>
+        </p:spPr>
+        <p:txBody>
+          <a:bodyPr rtlCol="0">
+            <a:normAutofit/>
+          </a:bodyPr>
+          <a:lstStyle>
+            <a:lvl1pPr algn="l" defTabSz="914400" rtl="0" eaLnBrk="1" latinLnBrk="0" hangingPunct="1">
+              <a:lnSpc>
+                <a:spcPct val="90000"/>
+              </a:lnSpc>
+              <a:spcBef>
+                <a:spcPct val="0"/>
+              </a:spcBef>
+              <a:buNone/>
+              <a:defRPr lang="en-US" sz="4000" i="0" kern="1200" cap="none" spc="0" baseline="0" dirty="0">
+                <a:solidFill>
+                  <a:schemeClr val="tx1">
+                    <a:lumMod val="85000"/>
+                    <a:lumOff val="15000"/>
+                  </a:schemeClr>
+                </a:solidFill>
+                <a:effectLst/>
+                <a:latin typeface="+mj-lt"/>
+                <a:ea typeface="+mn-ea"/>
+                <a:cs typeface="+mn-cs"/>
+              </a:defRPr>
+            </a:lvl1pPr>
+          </a:lstStyle>
+          <a:p>
+            <a:r>
+              <a:rPr lang="ru-RU" sz="2700" b="1" cap="all" spc="-100" dirty="0">
+                <a:solidFill>
+                  <a:srgbClr val="7030A0"/>
+                </a:solidFill>
+                <a:latin typeface="Segoe Print" panose="02000600000000000000" pitchFamily="2" charset="0"/>
+              </a:rPr>
+              <a:t>Задание</a:t>
+            </a:r>
+          </a:p>
+        </p:txBody>
+      </p:sp>
+      <p:sp>
+        <p:nvSpPr>
+          <p:cNvPr id="9" name="Прямоугольник 1">
+            <a:extLst>
+              <a:ext uri="{FF2B5EF4-FFF2-40B4-BE49-F238E27FC236}">
+                <a16:creationId xmlns:a16="http://schemas.microsoft.com/office/drawing/2014/main" id="{D3F4A60F-24DB-4A94-B761-7AB55618CFD5}"/>
+              </a:ext>
+            </a:extLst>
+          </p:cNvPr>
+          <p:cNvSpPr txBox="1">
+            <a:spLocks/>
+          </p:cNvSpPr>
+          <p:nvPr/>
+        </p:nvSpPr>
+        <p:spPr>
+          <a:xfrm>
+            <a:off x="1334561" y="3243454"/>
+            <a:ext cx="10456079" cy="3794216"/>
+          </a:xfrm>
+          <a:prstGeom prst="rect">
+            <a:avLst/>
+          </a:prstGeom>
+        </p:spPr>
+        <p:txBody>
+          <a:bodyPr vert="horz" lIns="91440" tIns="45720" rIns="91440" bIns="45720" rtlCol="0" anchor="ctr">
+            <a:normAutofit/>
+          </a:bodyPr>
+          <a:lstStyle>
+            <a:lvl1pPr algn="l" defTabSz="914400" rtl="0" eaLnBrk="1" latinLnBrk="0" hangingPunct="1">
+              <a:lnSpc>
+                <a:spcPct val="90000"/>
+              </a:lnSpc>
+              <a:spcBef>
+                <a:spcPct val="0"/>
+              </a:spcBef>
+              <a:buNone/>
+              <a:defRPr lang="en-US" sz="4000" i="0" kern="1200" cap="none" spc="0" baseline="0" dirty="0">
+                <a:solidFill>
+                  <a:schemeClr val="tx1">
+                    <a:lumMod val="85000"/>
+                    <a:lumOff val="15000"/>
+                  </a:schemeClr>
+                </a:solidFill>
+                <a:effectLst/>
+                <a:latin typeface="+mj-lt"/>
+                <a:ea typeface="+mn-ea"/>
+                <a:cs typeface="+mn-cs"/>
+              </a:defRPr>
+            </a:lvl1pPr>
+          </a:lstStyle>
+          <a:p>
+            <a:r>
+              <a:rPr lang="ru-RU" sz="2800" b="1" dirty="0">
+                <a:solidFill>
+                  <a:schemeClr val="tx1">
+                    <a:lumMod val="75000"/>
+                    <a:lumOff val="25000"/>
+                  </a:schemeClr>
+                </a:solidFill>
+                <a:latin typeface="Segoe Print" panose="02000600000000000000" pitchFamily="2" charset="0"/>
+              </a:rPr>
+              <a:t>1 Написать код, который содержит неявное преобразование типа </a:t>
+            </a:r>
+            <a:r>
+              <a:rPr lang="en-US" sz="2800" b="1" dirty="0">
+                <a:solidFill>
+                  <a:schemeClr val="tx1">
+                    <a:lumMod val="75000"/>
+                    <a:lumOff val="25000"/>
+                  </a:schemeClr>
+                </a:solidFill>
+                <a:latin typeface="Segoe Print" panose="02000600000000000000" pitchFamily="2" charset="0"/>
+              </a:rPr>
+              <a:t>double </a:t>
+            </a:r>
+            <a:r>
+              <a:rPr lang="ru-RU" sz="2800" b="1" dirty="0">
+                <a:solidFill>
+                  <a:schemeClr val="tx1">
+                    <a:lumMod val="75000"/>
+                    <a:lumOff val="25000"/>
+                  </a:schemeClr>
+                </a:solidFill>
+                <a:latin typeface="Segoe Print" panose="02000600000000000000" pitchFamily="2" charset="0"/>
+              </a:rPr>
+              <a:t>вещественного числа</a:t>
+            </a:r>
+          </a:p>
+          <a:p>
+            <a:endParaRPr lang="ru-RU" sz="2800" b="1" dirty="0">
+              <a:solidFill>
+                <a:schemeClr val="tx1">
+                  <a:lumMod val="75000"/>
+                  <a:lumOff val="25000"/>
+                </a:schemeClr>
+              </a:solidFill>
+              <a:latin typeface="Segoe Print" panose="02000600000000000000" pitchFamily="2" charset="0"/>
+            </a:endParaRPr>
+          </a:p>
+        </p:txBody>
+      </p:sp>
     </p:spTree>
     <p:extLst>
       <p:ext uri="{BB962C8B-B14F-4D97-AF65-F5344CB8AC3E}">
         <p14:creationId xmlns:p14="http://schemas.microsoft.com/office/powerpoint/2010/main" val="3384412899"/>
+      </p:ext>
+    </p:extLst>
+  </p:cSld>
+  <p:clrMapOvr>
+    <a:masterClrMapping/>
+  </p:clrMapOvr>
+</p:sld>
+</file>
+
+<file path=ppt/slides/slide31.xml><?xml version="1.0" encoding="utf-8"?>
+<p:sld xmlns:a="http://schemas.openxmlformats.org/drawingml/2006/main" xmlns:r="http://schemas.openxmlformats.org/officeDocument/2006/relationships" xmlns:p="http://schemas.openxmlformats.org/presentationml/2006/main">
+  <p:cSld>
+    <p:spTree>
+      <p:nvGrpSpPr>
+        <p:cNvPr id="1" name=""/>
+        <p:cNvGrpSpPr/>
+        <p:nvPr/>
+      </p:nvGrpSpPr>
+      <p:grpSpPr>
+        <a:xfrm>
+          <a:off x="0" y="0"/>
+          <a:ext cx="0" cy="0"/>
+          <a:chOff x="0" y="0"/>
+          <a:chExt cx="0" cy="0"/>
+        </a:xfrm>
+      </p:grpSpPr>
+      <p:sp>
+        <p:nvSpPr>
+          <p:cNvPr id="108" name="CustomShape 1"/>
+          <p:cNvSpPr/>
+          <p:nvPr/>
+        </p:nvSpPr>
+        <p:spPr>
+          <a:xfrm>
+            <a:off x="2344260" y="743760"/>
+            <a:ext cx="7882920" cy="759240"/>
+          </a:xfrm>
+          <a:prstGeom prst="rect">
+            <a:avLst/>
+          </a:prstGeom>
+          <a:noFill/>
+          <a:ln>
+            <a:noFill/>
+          </a:ln>
+        </p:spPr>
+        <p:style>
+          <a:lnRef idx="0">
+            <a:scrgbClr r="0" g="0" b="0"/>
+          </a:lnRef>
+          <a:fillRef idx="0">
+            <a:scrgbClr r="0" g="0" b="0"/>
+          </a:fillRef>
+          <a:effectRef idx="0">
+            <a:scrgbClr r="0" g="0" b="0"/>
+          </a:effectRef>
+          <a:fontRef idx="minor"/>
+        </p:style>
+        <p:txBody>
+          <a:bodyPr lIns="90000" tIns="45000" rIns="90000" bIns="45000" anchor="ctr">
+            <a:normAutofit fontScale="92500"/>
+          </a:bodyPr>
+          <a:lstStyle/>
+          <a:p>
+            <a:pPr algn="ctr">
+              <a:lnSpc>
+                <a:spcPct val="100000"/>
+              </a:lnSpc>
+            </a:pPr>
+            <a:r>
+              <a:rPr lang="ru-RU" sz="3200" b="1" cap="all" spc="-100" dirty="0">
+                <a:solidFill>
+                  <a:srgbClr val="7030A0"/>
+                </a:solidFill>
+                <a:latin typeface="Segoe Print" panose="02000600000000000000" pitchFamily="2" charset="0"/>
+              </a:rPr>
+              <a:t>Явное Преобразование типов</a:t>
+            </a:r>
+          </a:p>
+        </p:txBody>
+      </p:sp>
+      <p:sp>
+        <p:nvSpPr>
+          <p:cNvPr id="5" name="TextBox 4">
+            <a:extLst>
+              <a:ext uri="{FF2B5EF4-FFF2-40B4-BE49-F238E27FC236}">
+                <a16:creationId xmlns:a16="http://schemas.microsoft.com/office/drawing/2014/main" id="{BED6E982-AB49-4564-8E5F-286CD83C1067}"/>
+              </a:ext>
+            </a:extLst>
+          </p:cNvPr>
+          <p:cNvSpPr txBox="1"/>
+          <p:nvPr/>
+        </p:nvSpPr>
+        <p:spPr>
+          <a:xfrm>
+            <a:off x="6285720" y="2239166"/>
+            <a:ext cx="6096000" cy="771814"/>
+          </a:xfrm>
+          <a:prstGeom prst="rect">
+            <a:avLst/>
+          </a:prstGeom>
+          <a:noFill/>
+        </p:spPr>
+        <p:txBody>
+          <a:bodyPr wrap="square">
+            <a:spAutoFit/>
+          </a:bodyPr>
+          <a:lstStyle/>
+          <a:p>
+            <a:pPr indent="215900" algn="just">
+              <a:lnSpc>
+                <a:spcPct val="115000"/>
+              </a:lnSpc>
+            </a:pPr>
+            <a:r>
+              <a:rPr lang="en-US" sz="2000" kern="100" dirty="0">
+                <a:solidFill>
+                  <a:srgbClr val="000000"/>
+                </a:solidFill>
+                <a:latin typeface="Times New Roman" panose="02020603050405020304" pitchFamily="18" charset="0"/>
+              </a:rPr>
+              <a:t>double a = 56.9898;</a:t>
+            </a:r>
+            <a:endParaRPr lang="ru-RU" sz="2000" kern="100" dirty="0">
+              <a:solidFill>
+                <a:srgbClr val="000000"/>
+              </a:solidFill>
+              <a:latin typeface="Times New Roman" panose="02020603050405020304" pitchFamily="18" charset="0"/>
+            </a:endParaRPr>
+          </a:p>
+          <a:p>
+            <a:pPr indent="215900" algn="just">
+              <a:lnSpc>
+                <a:spcPct val="115000"/>
+              </a:lnSpc>
+            </a:pPr>
+            <a:r>
+              <a:rPr lang="en-US" sz="2000" kern="100" dirty="0">
+                <a:solidFill>
+                  <a:srgbClr val="000000"/>
+                </a:solidFill>
+                <a:latin typeface="Times New Roman" panose="02020603050405020304" pitchFamily="18" charset="0"/>
+              </a:rPr>
+              <a:t>int b = (int)a;</a:t>
+            </a:r>
+            <a:endParaRPr lang="ru-RU" sz="2000" kern="100" dirty="0">
+              <a:solidFill>
+                <a:srgbClr val="000000"/>
+              </a:solidFill>
+              <a:latin typeface="Times New Roman" panose="02020603050405020304" pitchFamily="18" charset="0"/>
+            </a:endParaRPr>
+          </a:p>
+        </p:txBody>
+      </p:sp>
+      <p:sp>
+        <p:nvSpPr>
+          <p:cNvPr id="3" name="TextBox 2">
+            <a:extLst>
+              <a:ext uri="{FF2B5EF4-FFF2-40B4-BE49-F238E27FC236}">
+                <a16:creationId xmlns:a16="http://schemas.microsoft.com/office/drawing/2014/main" id="{1F218BDE-9DA2-4C09-81BC-3B76194803E3}"/>
+              </a:ext>
+            </a:extLst>
+          </p:cNvPr>
+          <p:cNvSpPr txBox="1"/>
+          <p:nvPr/>
+        </p:nvSpPr>
+        <p:spPr>
+          <a:xfrm>
+            <a:off x="1703236" y="2239166"/>
+            <a:ext cx="2795816" cy="771814"/>
+          </a:xfrm>
+          <a:prstGeom prst="rect">
+            <a:avLst/>
+          </a:prstGeom>
+          <a:noFill/>
+        </p:spPr>
+        <p:txBody>
+          <a:bodyPr wrap="square">
+            <a:spAutoFit/>
+          </a:bodyPr>
+          <a:lstStyle/>
+          <a:p>
+            <a:pPr indent="215900" algn="just">
+              <a:lnSpc>
+                <a:spcPct val="115000"/>
+              </a:lnSpc>
+            </a:pPr>
+            <a:r>
+              <a:rPr lang="en-US" sz="2000" kern="100" dirty="0">
+                <a:solidFill>
+                  <a:srgbClr val="000000"/>
+                </a:solidFill>
+                <a:latin typeface="Times New Roman" panose="02020603050405020304" pitchFamily="18" charset="0"/>
+              </a:rPr>
+              <a:t>byte a = 4;</a:t>
+            </a:r>
+          </a:p>
+          <a:p>
+            <a:pPr indent="215900" algn="just">
+              <a:lnSpc>
+                <a:spcPct val="115000"/>
+              </a:lnSpc>
+            </a:pPr>
+            <a:r>
+              <a:rPr lang="en-US" sz="2000" kern="100" dirty="0">
+                <a:solidFill>
+                  <a:srgbClr val="000000"/>
+                </a:solidFill>
+                <a:latin typeface="Times New Roman" panose="02020603050405020304" pitchFamily="18" charset="0"/>
+              </a:rPr>
+              <a:t>byte b = a + (byte)70;</a:t>
+            </a:r>
+            <a:endParaRPr lang="ru-RU" sz="2000" kern="100" dirty="0">
+              <a:solidFill>
+                <a:srgbClr val="000000"/>
+              </a:solidFill>
+              <a:latin typeface="Times New Roman" panose="02020603050405020304" pitchFamily="18" charset="0"/>
+            </a:endParaRPr>
+          </a:p>
+        </p:txBody>
+      </p:sp>
+      <p:sp>
+        <p:nvSpPr>
+          <p:cNvPr id="6" name="Прямоугольник 1">
+            <a:extLst>
+              <a:ext uri="{FF2B5EF4-FFF2-40B4-BE49-F238E27FC236}">
+                <a16:creationId xmlns:a16="http://schemas.microsoft.com/office/drawing/2014/main" id="{152F2236-3509-49C6-9121-B3748611170E}"/>
+              </a:ext>
+            </a:extLst>
+          </p:cNvPr>
+          <p:cNvSpPr txBox="1">
+            <a:spLocks/>
+          </p:cNvSpPr>
+          <p:nvPr/>
+        </p:nvSpPr>
+        <p:spPr>
+          <a:xfrm>
+            <a:off x="4814535" y="4294256"/>
+            <a:ext cx="4969752" cy="1216152"/>
+          </a:xfrm>
+          <a:prstGeom prst="rect">
+            <a:avLst/>
+          </a:prstGeom>
+        </p:spPr>
+        <p:txBody>
+          <a:bodyPr rtlCol="0">
+            <a:normAutofit/>
+          </a:bodyPr>
+          <a:lstStyle>
+            <a:lvl1pPr algn="l" defTabSz="914400" rtl="0" eaLnBrk="1" latinLnBrk="0" hangingPunct="1">
+              <a:lnSpc>
+                <a:spcPct val="90000"/>
+              </a:lnSpc>
+              <a:spcBef>
+                <a:spcPct val="0"/>
+              </a:spcBef>
+              <a:buNone/>
+              <a:defRPr lang="en-US" sz="4000" i="0" kern="1200" cap="none" spc="0" baseline="0" dirty="0">
+                <a:solidFill>
+                  <a:schemeClr val="tx1">
+                    <a:lumMod val="85000"/>
+                    <a:lumOff val="15000"/>
+                  </a:schemeClr>
+                </a:solidFill>
+                <a:effectLst/>
+                <a:latin typeface="+mj-lt"/>
+                <a:ea typeface="+mn-ea"/>
+                <a:cs typeface="+mn-cs"/>
+              </a:defRPr>
+            </a:lvl1pPr>
+          </a:lstStyle>
+          <a:p>
+            <a:r>
+              <a:rPr lang="ru-RU" sz="2700" b="1" cap="all" spc="-100" dirty="0">
+                <a:solidFill>
+                  <a:srgbClr val="7030A0"/>
+                </a:solidFill>
+                <a:latin typeface="Segoe Print" panose="02000600000000000000" pitchFamily="2" charset="0"/>
+              </a:rPr>
+              <a:t>Задание</a:t>
+            </a:r>
+          </a:p>
+        </p:txBody>
+      </p:sp>
+      <p:sp>
+        <p:nvSpPr>
+          <p:cNvPr id="7" name="Прямоугольник 1">
+            <a:extLst>
+              <a:ext uri="{FF2B5EF4-FFF2-40B4-BE49-F238E27FC236}">
+                <a16:creationId xmlns:a16="http://schemas.microsoft.com/office/drawing/2014/main" id="{3D3A8671-41C5-464F-92DA-A014B153A1CE}"/>
+              </a:ext>
+            </a:extLst>
+          </p:cNvPr>
+          <p:cNvSpPr txBox="1">
+            <a:spLocks/>
+          </p:cNvSpPr>
+          <p:nvPr/>
+        </p:nvSpPr>
+        <p:spPr>
+          <a:xfrm>
+            <a:off x="1600892" y="3657644"/>
+            <a:ext cx="10456079" cy="3794216"/>
+          </a:xfrm>
+          <a:prstGeom prst="rect">
+            <a:avLst/>
+          </a:prstGeom>
+        </p:spPr>
+        <p:txBody>
+          <a:bodyPr vert="horz" lIns="91440" tIns="45720" rIns="91440" bIns="45720" rtlCol="0" anchor="ctr">
+            <a:normAutofit/>
+          </a:bodyPr>
+          <a:lstStyle>
+            <a:lvl1pPr algn="l" defTabSz="914400" rtl="0" eaLnBrk="1" latinLnBrk="0" hangingPunct="1">
+              <a:lnSpc>
+                <a:spcPct val="90000"/>
+              </a:lnSpc>
+              <a:spcBef>
+                <a:spcPct val="0"/>
+              </a:spcBef>
+              <a:buNone/>
+              <a:defRPr lang="en-US" sz="4000" i="0" kern="1200" cap="none" spc="0" baseline="0" dirty="0">
+                <a:solidFill>
+                  <a:schemeClr val="tx1">
+                    <a:lumMod val="85000"/>
+                    <a:lumOff val="15000"/>
+                  </a:schemeClr>
+                </a:solidFill>
+                <a:effectLst/>
+                <a:latin typeface="+mj-lt"/>
+                <a:ea typeface="+mn-ea"/>
+                <a:cs typeface="+mn-cs"/>
+              </a:defRPr>
+            </a:lvl1pPr>
+          </a:lstStyle>
+          <a:p>
+            <a:r>
+              <a:rPr lang="ru-RU" sz="2800" b="1" dirty="0">
+                <a:solidFill>
+                  <a:schemeClr val="tx1">
+                    <a:lumMod val="75000"/>
+                    <a:lumOff val="25000"/>
+                  </a:schemeClr>
+                </a:solidFill>
+                <a:latin typeface="Segoe Print" panose="02000600000000000000" pitchFamily="2" charset="0"/>
+              </a:rPr>
+              <a:t>1 Написать код, который содержит явное преобразование вещественного числа к типу </a:t>
+            </a:r>
+            <a:r>
+              <a:rPr lang="en-US" sz="2800" b="1" dirty="0">
+                <a:solidFill>
+                  <a:schemeClr val="tx1">
+                    <a:lumMod val="75000"/>
+                    <a:lumOff val="25000"/>
+                  </a:schemeClr>
+                </a:solidFill>
+                <a:latin typeface="Segoe Print" panose="02000600000000000000" pitchFamily="2" charset="0"/>
+              </a:rPr>
+              <a:t>float</a:t>
+            </a:r>
+            <a:endParaRPr lang="ru-RU" sz="2800" b="1" dirty="0">
+              <a:solidFill>
+                <a:schemeClr val="tx1">
+                  <a:lumMod val="75000"/>
+                  <a:lumOff val="25000"/>
+                </a:schemeClr>
+              </a:solidFill>
+              <a:latin typeface="Segoe Print" panose="02000600000000000000" pitchFamily="2" charset="0"/>
+            </a:endParaRPr>
+          </a:p>
+          <a:p>
+            <a:endParaRPr lang="ru-RU" sz="2800" b="1" dirty="0">
+              <a:solidFill>
+                <a:schemeClr val="tx1">
+                  <a:lumMod val="75000"/>
+                  <a:lumOff val="25000"/>
+                </a:schemeClr>
+              </a:solidFill>
+              <a:latin typeface="Segoe Print" panose="02000600000000000000" pitchFamily="2" charset="0"/>
+            </a:endParaRPr>
+          </a:p>
+        </p:txBody>
+      </p:sp>
+    </p:spTree>
+    <p:extLst>
+      <p:ext uri="{BB962C8B-B14F-4D97-AF65-F5344CB8AC3E}">
+        <p14:creationId xmlns:p14="http://schemas.microsoft.com/office/powerpoint/2010/main" val="1715928249"/>
       </p:ext>
     </p:extLst>
   </p:cSld>
